--- a/React/lesson_21/Presentation/React_events.pptx
+++ b/React/lesson_21/Presentation/React_events.pptx
@@ -2116,12 +2116,6 @@
           </a:p>
           <a:p>
             <a:r>
-              <a:rPr lang="en-US" dirty="0">
-                <a:latin typeface="Calibri" pitchFamily="34" charset="0"/>
-              </a:rPr>
-              <a:t> </a:t>
-            </a:r>
-            <a:r>
               <a:rPr lang="en-US" dirty="0" err="1">
                 <a:latin typeface="Calibri" pitchFamily="34" charset="0"/>
               </a:rPr>
@@ -3335,7 +3329,7 @@
         <p:spPr>
           <a:xfrm>
             <a:off x="4788024" y="4797152"/>
-            <a:ext cx="3096344" cy="923330"/>
+            <a:ext cx="3096344" cy="954107"/>
           </a:xfrm>
           <a:prstGeom prst="rect">
             <a:avLst/>
@@ -3375,9 +3369,15 @@
               <a:rPr lang="en-US" b="1" dirty="0">
                 <a:latin typeface="Calibri" pitchFamily="34" charset="0"/>
               </a:rPr>
-              <a:t> onSelect</a:t>
-            </a:r>
-            <a:endParaRPr lang="uk-UA" b="1" dirty="0">
+              <a:t> </a:t>
+            </a:r>
+            <a:r>
+              <a:rPr lang="en-US" sz="2000" b="1" dirty="0">
+                <a:latin typeface="Calibri" pitchFamily="34" charset="0"/>
+              </a:rPr>
+              <a:t>onSelect</a:t>
+            </a:r>
+            <a:endParaRPr lang="uk-UA" sz="2000" b="1" dirty="0">
               <a:latin typeface="Calibri" pitchFamily="34" charset="0"/>
             </a:endParaRPr>
           </a:p>
@@ -3392,7 +3392,7 @@
         <p:spPr>
           <a:xfrm>
             <a:off x="4788024" y="3573016"/>
-            <a:ext cx="2808312" cy="923330"/>
+            <a:ext cx="2808312" cy="954107"/>
           </a:xfrm>
           <a:prstGeom prst="rect">
             <a:avLst/>
@@ -3438,7 +3438,13 @@
               <a:rPr lang="en-US" b="1" dirty="0">
                 <a:latin typeface="Calibri" pitchFamily="34" charset="0"/>
               </a:rPr>
-              <a:t> onScroll</a:t>
+              <a:t> </a:t>
+            </a:r>
+            <a:r>
+              <a:rPr lang="en-US" sz="2000" b="1" dirty="0">
+                <a:latin typeface="Calibri" pitchFamily="34" charset="0"/>
+              </a:rPr>
+              <a:t>onScroll</a:t>
             </a:r>
           </a:p>
         </p:txBody>
